--- a/Task 3/Presentation2.pptx
+++ b/Task 3/Presentation2.pptx
@@ -104,6 +104,11 @@
       </a:defRPr>
     </a:lvl9pPr>
   </p:defaultTextStyle>
+  <p:extLst>
+    <p:ext uri="{EFAFB233-063F-42B5-8137-9DF3F51BA10A}">
+      <p15:sldGuideLst xmlns:p15="http://schemas.microsoft.com/office/powerpoint/2012/main"/>
+    </p:ext>
+  </p:extLst>
 </p:presentation>
 </file>
 
@@ -254,7 +259,7 @@
           <a:p>
             <a:fld id="{B27A53D1-2DA8-4F09-A3A2-05A5F8BC4865}" type="datetimeFigureOut">
               <a:rPr lang="en-GB" smtClean="0"/>
-              <a:t>24/11/2024</a:t>
+              <a:t>25/11/2024</a:t>
             </a:fld>
             <a:endParaRPr lang="en-GB"/>
           </a:p>
@@ -452,7 +457,7 @@
           <a:p>
             <a:fld id="{B27A53D1-2DA8-4F09-A3A2-05A5F8BC4865}" type="datetimeFigureOut">
               <a:rPr lang="en-GB" smtClean="0"/>
-              <a:t>24/11/2024</a:t>
+              <a:t>25/11/2024</a:t>
             </a:fld>
             <a:endParaRPr lang="en-GB"/>
           </a:p>
@@ -660,7 +665,7 @@
           <a:p>
             <a:fld id="{B27A53D1-2DA8-4F09-A3A2-05A5F8BC4865}" type="datetimeFigureOut">
               <a:rPr lang="en-GB" smtClean="0"/>
-              <a:t>24/11/2024</a:t>
+              <a:t>25/11/2024</a:t>
             </a:fld>
             <a:endParaRPr lang="en-GB"/>
           </a:p>
@@ -858,7 +863,7 @@
           <a:p>
             <a:fld id="{B27A53D1-2DA8-4F09-A3A2-05A5F8BC4865}" type="datetimeFigureOut">
               <a:rPr lang="en-GB" smtClean="0"/>
-              <a:t>24/11/2024</a:t>
+              <a:t>25/11/2024</a:t>
             </a:fld>
             <a:endParaRPr lang="en-GB"/>
           </a:p>
@@ -1133,7 +1138,7 @@
           <a:p>
             <a:fld id="{B27A53D1-2DA8-4F09-A3A2-05A5F8BC4865}" type="datetimeFigureOut">
               <a:rPr lang="en-GB" smtClean="0"/>
-              <a:t>24/11/2024</a:t>
+              <a:t>25/11/2024</a:t>
             </a:fld>
             <a:endParaRPr lang="en-GB"/>
           </a:p>
@@ -1398,7 +1403,7 @@
           <a:p>
             <a:fld id="{B27A53D1-2DA8-4F09-A3A2-05A5F8BC4865}" type="datetimeFigureOut">
               <a:rPr lang="en-GB" smtClean="0"/>
-              <a:t>24/11/2024</a:t>
+              <a:t>25/11/2024</a:t>
             </a:fld>
             <a:endParaRPr lang="en-GB"/>
           </a:p>
@@ -1810,7 +1815,7 @@
           <a:p>
             <a:fld id="{B27A53D1-2DA8-4F09-A3A2-05A5F8BC4865}" type="datetimeFigureOut">
               <a:rPr lang="en-GB" smtClean="0"/>
-              <a:t>24/11/2024</a:t>
+              <a:t>25/11/2024</a:t>
             </a:fld>
             <a:endParaRPr lang="en-GB"/>
           </a:p>
@@ -1951,7 +1956,7 @@
           <a:p>
             <a:fld id="{B27A53D1-2DA8-4F09-A3A2-05A5F8BC4865}" type="datetimeFigureOut">
               <a:rPr lang="en-GB" smtClean="0"/>
-              <a:t>24/11/2024</a:t>
+              <a:t>25/11/2024</a:t>
             </a:fld>
             <a:endParaRPr lang="en-GB"/>
           </a:p>
@@ -2064,7 +2069,7 @@
           <a:p>
             <a:fld id="{B27A53D1-2DA8-4F09-A3A2-05A5F8BC4865}" type="datetimeFigureOut">
               <a:rPr lang="en-GB" smtClean="0"/>
-              <a:t>24/11/2024</a:t>
+              <a:t>25/11/2024</a:t>
             </a:fld>
             <a:endParaRPr lang="en-GB"/>
           </a:p>
@@ -2375,7 +2380,7 @@
           <a:p>
             <a:fld id="{B27A53D1-2DA8-4F09-A3A2-05A5F8BC4865}" type="datetimeFigureOut">
               <a:rPr lang="en-GB" smtClean="0"/>
-              <a:t>24/11/2024</a:t>
+              <a:t>25/11/2024</a:t>
             </a:fld>
             <a:endParaRPr lang="en-GB"/>
           </a:p>
@@ -2663,7 +2668,7 @@
           <a:p>
             <a:fld id="{B27A53D1-2DA8-4F09-A3A2-05A5F8BC4865}" type="datetimeFigureOut">
               <a:rPr lang="en-GB" smtClean="0"/>
-              <a:t>24/11/2024</a:t>
+              <a:t>25/11/2024</a:t>
             </a:fld>
             <a:endParaRPr lang="en-GB"/>
           </a:p>
@@ -2904,7 +2909,7 @@
           <a:p>
             <a:fld id="{B27A53D1-2DA8-4F09-A3A2-05A5F8BC4865}" type="datetimeFigureOut">
               <a:rPr lang="en-GB" smtClean="0"/>
-              <a:t>24/11/2024</a:t>
+              <a:t>25/11/2024</a:t>
             </a:fld>
             <a:endParaRPr lang="en-GB"/>
           </a:p>
@@ -3323,10 +3328,10 @@
       </p:grpSpPr>
       <p:grpSp>
         <p:nvGrpSpPr>
-          <p:cNvPr id="89" name="Group 88">
-            <a:extLst>
-              <a:ext uri="{FF2B5EF4-FFF2-40B4-BE49-F238E27FC236}">
-                <a16:creationId xmlns:a16="http://schemas.microsoft.com/office/drawing/2014/main" id="{F7E9F5F8-A7C1-43EC-EAE6-BFD0A0B2DE5B}"/>
+          <p:cNvPr id="19" name="Group 18">
+            <a:extLst>
+              <a:ext uri="{FF2B5EF4-FFF2-40B4-BE49-F238E27FC236}">
+                <a16:creationId xmlns:a16="http://schemas.microsoft.com/office/drawing/2014/main" id="{BCCF12BA-2569-28C1-42AC-2309739741AF}"/>
               </a:ext>
             </a:extLst>
           </p:cNvPr>
@@ -3335,1063 +3340,1084 @@
         </p:nvGrpSpPr>
         <p:grpSpPr>
           <a:xfrm>
-            <a:off x="1853708" y="337095"/>
-            <a:ext cx="4444382" cy="4080271"/>
-            <a:chOff x="3426594" y="337250"/>
-            <a:chExt cx="5544423" cy="5090190"/>
+            <a:off x="366653" y="325100"/>
+            <a:ext cx="3438728" cy="3157006"/>
+            <a:chOff x="1853708" y="337095"/>
+            <a:chExt cx="4444382" cy="4080271"/>
           </a:xfrm>
         </p:grpSpPr>
-        <p:cxnSp>
-          <p:nvCxnSpPr>
-            <p:cNvPr id="4" name="Straight Arrow Connector 3">
+        <p:grpSp>
+          <p:nvGrpSpPr>
+            <p:cNvPr id="89" name="Group 88">
               <a:extLst>
                 <a:ext uri="{FF2B5EF4-FFF2-40B4-BE49-F238E27FC236}">
-                  <a16:creationId xmlns:a16="http://schemas.microsoft.com/office/drawing/2014/main" id="{31D74FD7-8325-9C18-7991-6CA682E62BA2}"/>
+                  <a16:creationId xmlns:a16="http://schemas.microsoft.com/office/drawing/2014/main" id="{F7E9F5F8-A7C1-43EC-EAE6-BFD0A0B2DE5B}"/>
                 </a:ext>
               </a:extLst>
             </p:cNvPr>
-            <p:cNvCxnSpPr>
-              <a:cxnSpLocks/>
-              <a:stCxn id="18" idx="7"/>
-              <a:endCxn id="14" idx="2"/>
-            </p:cNvCxnSpPr>
+            <p:cNvGrpSpPr/>
             <p:nvPr/>
-          </p:nvCxnSpPr>
-          <p:spPr>
-            <a:xfrm flipV="1">
-              <a:off x="4594789" y="1026660"/>
-              <a:ext cx="819488" cy="889975"/>
+          </p:nvGrpSpPr>
+          <p:grpSpPr>
+            <a:xfrm>
+              <a:off x="1853708" y="337095"/>
+              <a:ext cx="4444382" cy="4080271"/>
+              <a:chOff x="3426594" y="337250"/>
+              <a:chExt cx="5544423" cy="5090190"/>
             </a:xfrm>
-            <a:prstGeom prst="straightConnector1">
-              <a:avLst/>
-            </a:prstGeom>
-            <a:ln w="28575">
-              <a:solidFill>
+          </p:grpSpPr>
+          <p:cxnSp>
+            <p:nvCxnSpPr>
+              <p:cNvPr id="4" name="Straight Arrow Connector 3">
+                <a:extLst>
+                  <a:ext uri="{FF2B5EF4-FFF2-40B4-BE49-F238E27FC236}">
+                    <a16:creationId xmlns:a16="http://schemas.microsoft.com/office/drawing/2014/main" id="{31D74FD7-8325-9C18-7991-6CA682E62BA2}"/>
+                  </a:ext>
+                </a:extLst>
+              </p:cNvPr>
+              <p:cNvCxnSpPr>
+                <a:cxnSpLocks/>
+                <a:stCxn id="18" idx="7"/>
+                <a:endCxn id="14" idx="2"/>
+              </p:cNvCxnSpPr>
+              <p:nvPr/>
+            </p:nvCxnSpPr>
+            <p:spPr>
+              <a:xfrm flipV="1">
+                <a:off x="4594789" y="1026660"/>
+                <a:ext cx="819488" cy="889975"/>
+              </a:xfrm>
+              <a:prstGeom prst="straightConnector1">
+                <a:avLst/>
+              </a:prstGeom>
+              <a:ln w="28575">
+                <a:solidFill>
+                  <a:schemeClr val="tx1"/>
+                </a:solidFill>
+              </a:ln>
+            </p:spPr>
+            <p:style>
+              <a:lnRef idx="2">
+                <a:schemeClr val="accent1"/>
+              </a:lnRef>
+              <a:fillRef idx="0">
+                <a:schemeClr val="accent1"/>
+              </a:fillRef>
+              <a:effectRef idx="1">
+                <a:schemeClr val="accent1"/>
+              </a:effectRef>
+              <a:fontRef idx="minor">
                 <a:schemeClr val="tx1"/>
-              </a:solidFill>
-            </a:ln>
-          </p:spPr>
-          <p:style>
-            <a:lnRef idx="2">
-              <a:schemeClr val="accent1"/>
-            </a:lnRef>
-            <a:fillRef idx="0">
-              <a:schemeClr val="accent1"/>
-            </a:fillRef>
-            <a:effectRef idx="1">
-              <a:schemeClr val="accent1"/>
-            </a:effectRef>
-            <a:fontRef idx="minor">
-              <a:schemeClr val="tx1"/>
-            </a:fontRef>
-          </p:style>
-        </p:cxnSp>
-        <p:cxnSp>
-          <p:nvCxnSpPr>
-            <p:cNvPr id="5" name="Straight Arrow Connector 4">
+              </a:fontRef>
+            </p:style>
+          </p:cxnSp>
+          <p:cxnSp>
+            <p:nvCxnSpPr>
+              <p:cNvPr id="5" name="Straight Arrow Connector 4">
+                <a:extLst>
+                  <a:ext uri="{FF2B5EF4-FFF2-40B4-BE49-F238E27FC236}">
+                    <a16:creationId xmlns:a16="http://schemas.microsoft.com/office/drawing/2014/main" id="{8B9D8231-0BE4-2FA7-C651-62BE43B7E815}"/>
+                  </a:ext>
+                </a:extLst>
+              </p:cNvPr>
+              <p:cNvCxnSpPr>
+                <a:cxnSpLocks/>
+                <a:stCxn id="15" idx="1"/>
+                <a:endCxn id="14" idx="6"/>
+              </p:cNvCxnSpPr>
+              <p:nvPr/>
+            </p:nvCxnSpPr>
+            <p:spPr>
+              <a:xfrm flipH="1" flipV="1">
+                <a:off x="6782903" y="1026660"/>
+                <a:ext cx="1019919" cy="889975"/>
+              </a:xfrm>
+              <a:prstGeom prst="straightConnector1">
+                <a:avLst/>
+              </a:prstGeom>
+              <a:ln w="28575">
+                <a:solidFill>
+                  <a:schemeClr val="tx1"/>
+                </a:solidFill>
+              </a:ln>
+            </p:spPr>
+            <p:style>
+              <a:lnRef idx="2">
+                <a:schemeClr val="accent1"/>
+              </a:lnRef>
+              <a:fillRef idx="0">
+                <a:schemeClr val="accent1"/>
+              </a:fillRef>
+              <a:effectRef idx="1">
+                <a:schemeClr val="accent1"/>
+              </a:effectRef>
+              <a:fontRef idx="minor">
+                <a:schemeClr val="tx1"/>
+              </a:fontRef>
+            </p:style>
+          </p:cxnSp>
+          <p:cxnSp>
+            <p:nvCxnSpPr>
+              <p:cNvPr id="6" name="Straight Arrow Connector 5">
+                <a:extLst>
+                  <a:ext uri="{FF2B5EF4-FFF2-40B4-BE49-F238E27FC236}">
+                    <a16:creationId xmlns:a16="http://schemas.microsoft.com/office/drawing/2014/main" id="{E76BD5F9-83C7-95D0-6664-37FD6A183C90}"/>
+                  </a:ext>
+                </a:extLst>
+              </p:cNvPr>
+              <p:cNvCxnSpPr>
+                <a:cxnSpLocks/>
+                <a:stCxn id="15" idx="4"/>
+                <a:endCxn id="16" idx="7"/>
+              </p:cNvCxnSpPr>
+              <p:nvPr/>
+            </p:nvCxnSpPr>
+            <p:spPr>
+              <a:xfrm flipH="1">
+                <a:off x="7885842" y="3093531"/>
+                <a:ext cx="400862" cy="1157013"/>
+              </a:xfrm>
+              <a:prstGeom prst="straightConnector1">
+                <a:avLst/>
+              </a:prstGeom>
+              <a:ln w="28575">
+                <a:solidFill>
+                  <a:schemeClr val="tx1"/>
+                </a:solidFill>
+              </a:ln>
+            </p:spPr>
+            <p:style>
+              <a:lnRef idx="2">
+                <a:schemeClr val="accent1"/>
+              </a:lnRef>
+              <a:fillRef idx="0">
+                <a:schemeClr val="accent1"/>
+              </a:fillRef>
+              <a:effectRef idx="1">
+                <a:schemeClr val="accent1"/>
+              </a:effectRef>
+              <a:fontRef idx="minor">
+                <a:schemeClr val="tx1"/>
+              </a:fontRef>
+            </p:style>
+          </p:cxnSp>
+          <p:cxnSp>
+            <p:nvCxnSpPr>
+              <p:cNvPr id="7" name="Straight Arrow Connector 6">
+                <a:extLst>
+                  <a:ext uri="{FF2B5EF4-FFF2-40B4-BE49-F238E27FC236}">
+                    <a16:creationId xmlns:a16="http://schemas.microsoft.com/office/drawing/2014/main" id="{A377B8D8-7C18-7691-5D6F-584925A26B6A}"/>
+                  </a:ext>
+                </a:extLst>
+              </p:cNvPr>
+              <p:cNvCxnSpPr>
+                <a:cxnSpLocks/>
+                <a:stCxn id="18" idx="4"/>
+                <a:endCxn id="17" idx="1"/>
+              </p:cNvCxnSpPr>
+              <p:nvPr/>
+            </p:nvCxnSpPr>
+            <p:spPr>
+              <a:xfrm>
+                <a:off x="4110907" y="3093531"/>
+                <a:ext cx="399930" cy="1157013"/>
+              </a:xfrm>
+              <a:prstGeom prst="straightConnector1">
+                <a:avLst/>
+              </a:prstGeom>
+              <a:ln w="28575">
+                <a:solidFill>
+                  <a:schemeClr val="tx1"/>
+                </a:solidFill>
+              </a:ln>
+            </p:spPr>
+            <p:style>
+              <a:lnRef idx="2">
+                <a:schemeClr val="accent1"/>
+              </a:lnRef>
+              <a:fillRef idx="0">
+                <a:schemeClr val="accent1"/>
+              </a:fillRef>
+              <a:effectRef idx="1">
+                <a:schemeClr val="accent1"/>
+              </a:effectRef>
+              <a:fontRef idx="minor">
+                <a:schemeClr val="tx1"/>
+              </a:fontRef>
+            </p:style>
+          </p:cxnSp>
+          <p:cxnSp>
+            <p:nvCxnSpPr>
+              <p:cNvPr id="8" name="Straight Arrow Connector 7">
+                <a:extLst>
+                  <a:ext uri="{FF2B5EF4-FFF2-40B4-BE49-F238E27FC236}">
+                    <a16:creationId xmlns:a16="http://schemas.microsoft.com/office/drawing/2014/main" id="{3D65C8CA-4855-4DDF-D864-7625BCC77A88}"/>
+                  </a:ext>
+                </a:extLst>
+              </p:cNvPr>
+              <p:cNvCxnSpPr>
+                <a:cxnSpLocks/>
+                <a:stCxn id="17" idx="6"/>
+                <a:endCxn id="16" idx="2"/>
+              </p:cNvCxnSpPr>
+              <p:nvPr/>
+            </p:nvCxnSpPr>
+            <p:spPr>
+              <a:xfrm>
+                <a:off x="5679032" y="4738030"/>
+                <a:ext cx="1038615" cy="0"/>
+              </a:xfrm>
+              <a:prstGeom prst="straightConnector1">
+                <a:avLst/>
+              </a:prstGeom>
+              <a:ln w="28575">
+                <a:solidFill>
+                  <a:schemeClr val="tx1"/>
+                </a:solidFill>
+              </a:ln>
+            </p:spPr>
+            <p:style>
+              <a:lnRef idx="2">
+                <a:schemeClr val="accent1"/>
+              </a:lnRef>
+              <a:fillRef idx="0">
+                <a:schemeClr val="accent1"/>
+              </a:fillRef>
+              <a:effectRef idx="1">
+                <a:schemeClr val="accent1"/>
+              </a:effectRef>
+              <a:fontRef idx="minor">
+                <a:schemeClr val="tx1"/>
+              </a:fontRef>
+            </p:style>
+          </p:cxnSp>
+          <p:cxnSp>
+            <p:nvCxnSpPr>
+              <p:cNvPr id="9" name="Straight Arrow Connector 8">
+                <a:extLst>
+                  <a:ext uri="{FF2B5EF4-FFF2-40B4-BE49-F238E27FC236}">
+                    <a16:creationId xmlns:a16="http://schemas.microsoft.com/office/drawing/2014/main" id="{B58ECA94-1371-03ED-3123-C9119E404FDD}"/>
+                  </a:ext>
+                </a:extLst>
+              </p:cNvPr>
+              <p:cNvCxnSpPr>
+                <a:cxnSpLocks/>
+                <a:stCxn id="17" idx="0"/>
+                <a:endCxn id="14" idx="3"/>
+              </p:cNvCxnSpPr>
+              <p:nvPr/>
+            </p:nvCxnSpPr>
+            <p:spPr>
+              <a:xfrm flipV="1">
+                <a:off x="4994719" y="1514146"/>
+                <a:ext cx="619989" cy="2534474"/>
+              </a:xfrm>
+              <a:prstGeom prst="straightConnector1">
+                <a:avLst/>
+              </a:prstGeom>
+              <a:ln w="28575">
+                <a:solidFill>
+                  <a:schemeClr val="tx1"/>
+                </a:solidFill>
+              </a:ln>
+            </p:spPr>
+            <p:style>
+              <a:lnRef idx="2">
+                <a:schemeClr val="accent1"/>
+              </a:lnRef>
+              <a:fillRef idx="0">
+                <a:schemeClr val="accent1"/>
+              </a:fillRef>
+              <a:effectRef idx="1">
+                <a:schemeClr val="accent1"/>
+              </a:effectRef>
+              <a:fontRef idx="minor">
+                <a:schemeClr val="tx1"/>
+              </a:fontRef>
+            </p:style>
+          </p:cxnSp>
+          <p:cxnSp>
+            <p:nvCxnSpPr>
+              <p:cNvPr id="10" name="Straight Arrow Connector 9">
+                <a:extLst>
+                  <a:ext uri="{FF2B5EF4-FFF2-40B4-BE49-F238E27FC236}">
+                    <a16:creationId xmlns:a16="http://schemas.microsoft.com/office/drawing/2014/main" id="{0309E072-84A0-C3EE-4462-20C7279F50AC}"/>
+                  </a:ext>
+                </a:extLst>
+              </p:cNvPr>
+              <p:cNvCxnSpPr>
+                <a:cxnSpLocks/>
+                <a:stCxn id="16" idx="0"/>
+                <a:endCxn id="14" idx="5"/>
+              </p:cNvCxnSpPr>
+              <p:nvPr/>
+            </p:nvCxnSpPr>
+            <p:spPr>
+              <a:xfrm flipH="1" flipV="1">
+                <a:off x="6582473" y="1514146"/>
+                <a:ext cx="819487" cy="2534474"/>
+              </a:xfrm>
+              <a:prstGeom prst="straightConnector1">
+                <a:avLst/>
+              </a:prstGeom>
+              <a:ln w="28575">
+                <a:solidFill>
+                  <a:schemeClr val="tx1"/>
+                </a:solidFill>
+              </a:ln>
+            </p:spPr>
+            <p:style>
+              <a:lnRef idx="2">
+                <a:schemeClr val="accent1"/>
+              </a:lnRef>
+              <a:fillRef idx="0">
+                <a:schemeClr val="accent1"/>
+              </a:fillRef>
+              <a:effectRef idx="1">
+                <a:schemeClr val="accent1"/>
+              </a:effectRef>
+              <a:fontRef idx="minor">
+                <a:schemeClr val="tx1"/>
+              </a:fontRef>
+            </p:style>
+          </p:cxnSp>
+          <p:cxnSp>
+            <p:nvCxnSpPr>
+              <p:cNvPr id="11" name="Straight Arrow Connector 10">
+                <a:extLst>
+                  <a:ext uri="{FF2B5EF4-FFF2-40B4-BE49-F238E27FC236}">
+                    <a16:creationId xmlns:a16="http://schemas.microsoft.com/office/drawing/2014/main" id="{F88722CC-7163-9637-C7A3-23A1E2564174}"/>
+                  </a:ext>
+                </a:extLst>
+              </p:cNvPr>
+              <p:cNvCxnSpPr>
+                <a:cxnSpLocks/>
+                <a:stCxn id="15" idx="2"/>
+                <a:endCxn id="18" idx="6"/>
+              </p:cNvCxnSpPr>
+              <p:nvPr/>
+            </p:nvCxnSpPr>
+            <p:spPr>
+              <a:xfrm flipH="1">
+                <a:off x="4795220" y="2404121"/>
+                <a:ext cx="2807171" cy="0"/>
+              </a:xfrm>
+              <a:prstGeom prst="straightConnector1">
+                <a:avLst/>
+              </a:prstGeom>
+              <a:ln w="28575">
+                <a:solidFill>
+                  <a:schemeClr val="tx1"/>
+                </a:solidFill>
+              </a:ln>
+            </p:spPr>
+            <p:style>
+              <a:lnRef idx="2">
+                <a:schemeClr val="accent1"/>
+              </a:lnRef>
+              <a:fillRef idx="0">
+                <a:schemeClr val="accent1"/>
+              </a:fillRef>
+              <a:effectRef idx="1">
+                <a:schemeClr val="accent1"/>
+              </a:effectRef>
+              <a:fontRef idx="minor">
+                <a:schemeClr val="tx1"/>
+              </a:fontRef>
+            </p:style>
+          </p:cxnSp>
+          <p:cxnSp>
+            <p:nvCxnSpPr>
+              <p:cNvPr id="12" name="Straight Arrow Connector 11">
+                <a:extLst>
+                  <a:ext uri="{FF2B5EF4-FFF2-40B4-BE49-F238E27FC236}">
+                    <a16:creationId xmlns:a16="http://schemas.microsoft.com/office/drawing/2014/main" id="{C03D9899-F2B6-44D4-519B-D1962368091E}"/>
+                  </a:ext>
+                </a:extLst>
+              </p:cNvPr>
+              <p:cNvCxnSpPr>
+                <a:cxnSpLocks/>
+                <a:stCxn id="16" idx="1"/>
+                <a:endCxn id="18" idx="6"/>
+              </p:cNvCxnSpPr>
+              <p:nvPr/>
+            </p:nvCxnSpPr>
+            <p:spPr>
+              <a:xfrm flipH="1" flipV="1">
+                <a:off x="4795220" y="2404121"/>
+                <a:ext cx="2122858" cy="1846423"/>
+              </a:xfrm>
+              <a:prstGeom prst="straightConnector1">
+                <a:avLst/>
+              </a:prstGeom>
+              <a:ln w="28575">
+                <a:solidFill>
+                  <a:schemeClr val="tx1"/>
+                </a:solidFill>
+              </a:ln>
+            </p:spPr>
+            <p:style>
+              <a:lnRef idx="2">
+                <a:schemeClr val="accent1"/>
+              </a:lnRef>
+              <a:fillRef idx="0">
+                <a:schemeClr val="accent1"/>
+              </a:fillRef>
+              <a:effectRef idx="1">
+                <a:schemeClr val="accent1"/>
+              </a:effectRef>
+              <a:fontRef idx="minor">
+                <a:schemeClr val="tx1"/>
+              </a:fontRef>
+            </p:style>
+          </p:cxnSp>
+          <p:cxnSp>
+            <p:nvCxnSpPr>
+              <p:cNvPr id="13" name="Straight Arrow Connector 12">
+                <a:extLst>
+                  <a:ext uri="{FF2B5EF4-FFF2-40B4-BE49-F238E27FC236}">
+                    <a16:creationId xmlns:a16="http://schemas.microsoft.com/office/drawing/2014/main" id="{E36F4760-69A5-205B-DBA1-ABD072B5A2CE}"/>
+                  </a:ext>
+                </a:extLst>
+              </p:cNvPr>
+              <p:cNvCxnSpPr>
+                <a:cxnSpLocks/>
+                <a:stCxn id="15" idx="2"/>
+                <a:endCxn id="17" idx="7"/>
+              </p:cNvCxnSpPr>
+              <p:nvPr/>
+            </p:nvCxnSpPr>
+            <p:spPr>
+              <a:xfrm flipH="1">
+                <a:off x="5478601" y="2404122"/>
+                <a:ext cx="2123789" cy="1846422"/>
+              </a:xfrm>
+              <a:prstGeom prst="straightConnector1">
+                <a:avLst/>
+              </a:prstGeom>
+              <a:ln w="28575">
+                <a:solidFill>
+                  <a:schemeClr val="tx1"/>
+                </a:solidFill>
+              </a:ln>
+            </p:spPr>
+            <p:style>
+              <a:lnRef idx="2">
+                <a:schemeClr val="accent1"/>
+              </a:lnRef>
+              <a:fillRef idx="0">
+                <a:schemeClr val="accent1"/>
+              </a:fillRef>
+              <a:effectRef idx="1">
+                <a:schemeClr val="accent1"/>
+              </a:effectRef>
+              <a:fontRef idx="minor">
+                <a:schemeClr val="tx1"/>
+              </a:fontRef>
+            </p:style>
+          </p:cxnSp>
+          <p:sp>
+            <p:nvSpPr>
+              <p:cNvPr id="14" name="Oval 13">
+                <a:extLst>
+                  <a:ext uri="{FF2B5EF4-FFF2-40B4-BE49-F238E27FC236}">
+                    <a16:creationId xmlns:a16="http://schemas.microsoft.com/office/drawing/2014/main" id="{4DCA8E08-BC48-AC39-D713-C2A7D15A1B2F}"/>
+                  </a:ext>
+                </a:extLst>
+              </p:cNvPr>
+              <p:cNvSpPr/>
+              <p:nvPr/>
+            </p:nvSpPr>
+            <p:spPr>
+              <a:xfrm>
+                <a:off x="5414277" y="337250"/>
+                <a:ext cx="1368626" cy="1378820"/>
+              </a:xfrm>
+              <a:prstGeom prst="ellipse">
+                <a:avLst/>
+              </a:prstGeom>
+              <a:ln w="57150"/>
+            </p:spPr>
+            <p:style>
+              <a:lnRef idx="2">
+                <a:schemeClr val="accent1"/>
+              </a:lnRef>
+              <a:fillRef idx="1">
+                <a:schemeClr val="lt1"/>
+              </a:fillRef>
+              <a:effectRef idx="0">
+                <a:schemeClr val="accent1"/>
+              </a:effectRef>
+              <a:fontRef idx="minor">
+                <a:schemeClr val="dk1"/>
+              </a:fontRef>
+            </p:style>
+            <p:txBody>
+              <a:bodyPr wrap="none" rtlCol="0" anchor="ctr">
+                <a:normAutofit/>
+              </a:bodyPr>
+              <a:lstStyle/>
+              <a:p>
+                <a:pPr algn="ctr"/>
+                <a:r>
+                  <a:rPr lang="en-US" sz="1600" dirty="0"/>
+                  <a:t>Alpha </a:t>
+                </a:r>
+              </a:p>
+            </p:txBody>
+          </p:sp>
+          <p:sp>
+            <p:nvSpPr>
+              <p:cNvPr id="15" name="Oval 14">
+                <a:extLst>
+                  <a:ext uri="{FF2B5EF4-FFF2-40B4-BE49-F238E27FC236}">
+                    <a16:creationId xmlns:a16="http://schemas.microsoft.com/office/drawing/2014/main" id="{507B5421-CA0B-8419-2F14-90FA7367070C}"/>
+                  </a:ext>
+                </a:extLst>
+              </p:cNvPr>
+              <p:cNvSpPr/>
+              <p:nvPr/>
+            </p:nvSpPr>
+            <p:spPr>
+              <a:xfrm>
+                <a:off x="7602391" y="1714711"/>
+                <a:ext cx="1368626" cy="1378820"/>
+              </a:xfrm>
+              <a:prstGeom prst="ellipse">
+                <a:avLst/>
+              </a:prstGeom>
+              <a:ln w="57150"/>
+            </p:spPr>
+            <p:style>
+              <a:lnRef idx="2">
+                <a:schemeClr val="accent2"/>
+              </a:lnRef>
+              <a:fillRef idx="1">
+                <a:schemeClr val="lt1"/>
+              </a:fillRef>
+              <a:effectRef idx="0">
+                <a:schemeClr val="accent2"/>
+              </a:effectRef>
+              <a:fontRef idx="minor">
+                <a:schemeClr val="dk1"/>
+              </a:fontRef>
+            </p:style>
+            <p:txBody>
+              <a:bodyPr wrap="none" lIns="91440" tIns="45720" rIns="91440" bIns="45720" rtlCol="0" anchor="ctr">
+                <a:normAutofit/>
+              </a:bodyPr>
+              <a:lstStyle/>
+              <a:p>
+                <a:pPr algn="ctr"/>
+                <a:r>
+                  <a:rPr lang="en-US" sz="1600" dirty="0"/>
+                  <a:t>Beta</a:t>
+                </a:r>
+              </a:p>
+            </p:txBody>
+          </p:sp>
+          <p:sp>
+            <p:nvSpPr>
+              <p:cNvPr id="16" name="Oval 15">
+                <a:extLst>
+                  <a:ext uri="{FF2B5EF4-FFF2-40B4-BE49-F238E27FC236}">
+                    <a16:creationId xmlns:a16="http://schemas.microsoft.com/office/drawing/2014/main" id="{67AA94A3-76C8-E580-766D-9AD27D392F2B}"/>
+                  </a:ext>
+                </a:extLst>
+              </p:cNvPr>
+              <p:cNvSpPr/>
+              <p:nvPr/>
+            </p:nvSpPr>
+            <p:spPr>
+              <a:xfrm>
+                <a:off x="6717647" y="4048620"/>
+                <a:ext cx="1368626" cy="1378820"/>
+              </a:xfrm>
+              <a:prstGeom prst="ellipse">
+                <a:avLst/>
+              </a:prstGeom>
+              <a:ln w="57150"/>
+            </p:spPr>
+            <p:style>
+              <a:lnRef idx="2">
+                <a:schemeClr val="accent3"/>
+              </a:lnRef>
+              <a:fillRef idx="1">
+                <a:schemeClr val="lt1"/>
+              </a:fillRef>
+              <a:effectRef idx="0">
+                <a:schemeClr val="accent3"/>
+              </a:effectRef>
+              <a:fontRef idx="minor">
+                <a:schemeClr val="dk1"/>
+              </a:fontRef>
+            </p:style>
+            <p:txBody>
+              <a:bodyPr wrap="none" lIns="91440" tIns="45720" rIns="91440" bIns="45720" rtlCol="0" anchor="ctr">
+                <a:normAutofit/>
+              </a:bodyPr>
+              <a:lstStyle/>
+              <a:p>
+                <a:pPr algn="ctr"/>
+                <a:r>
+                  <a:rPr lang="en-US" sz="1600" dirty="0"/>
+                  <a:t>Gamma</a:t>
+                </a:r>
+              </a:p>
+            </p:txBody>
+          </p:sp>
+          <p:sp>
+            <p:nvSpPr>
+              <p:cNvPr id="17" name="Oval 16">
+                <a:extLst>
+                  <a:ext uri="{FF2B5EF4-FFF2-40B4-BE49-F238E27FC236}">
+                    <a16:creationId xmlns:a16="http://schemas.microsoft.com/office/drawing/2014/main" id="{B260A915-7D38-AA0D-4F4B-59DB3BA5ADA6}"/>
+                  </a:ext>
+                </a:extLst>
+              </p:cNvPr>
+              <p:cNvSpPr/>
+              <p:nvPr/>
+            </p:nvSpPr>
+            <p:spPr>
+              <a:xfrm>
+                <a:off x="4310406" y="4048620"/>
+                <a:ext cx="1368626" cy="1378820"/>
+              </a:xfrm>
+              <a:prstGeom prst="ellipse">
+                <a:avLst/>
+              </a:prstGeom>
+              <a:ln w="57150"/>
+            </p:spPr>
+            <p:style>
+              <a:lnRef idx="2">
+                <a:schemeClr val="accent5"/>
+              </a:lnRef>
+              <a:fillRef idx="1">
+                <a:schemeClr val="lt1"/>
+              </a:fillRef>
+              <a:effectRef idx="0">
+                <a:schemeClr val="accent5"/>
+              </a:effectRef>
+              <a:fontRef idx="minor">
+                <a:schemeClr val="dk1"/>
+              </a:fontRef>
+            </p:style>
+            <p:txBody>
+              <a:bodyPr wrap="none" lIns="91440" tIns="45720" rIns="91440" bIns="45720" rtlCol="0" anchor="ctr">
+                <a:normAutofit/>
+              </a:bodyPr>
+              <a:lstStyle/>
+              <a:p>
+                <a:pPr algn="ctr"/>
+                <a:r>
+                  <a:rPr lang="en-US" sz="1600" dirty="0"/>
+                  <a:t>Epsilon</a:t>
+                </a:r>
+              </a:p>
+            </p:txBody>
+          </p:sp>
+          <p:sp>
+            <p:nvSpPr>
+              <p:cNvPr id="18" name="Oval 17">
+                <a:extLst>
+                  <a:ext uri="{FF2B5EF4-FFF2-40B4-BE49-F238E27FC236}">
+                    <a16:creationId xmlns:a16="http://schemas.microsoft.com/office/drawing/2014/main" id="{1AF7B724-FA1A-4041-91D9-850893772CD9}"/>
+                  </a:ext>
+                </a:extLst>
+              </p:cNvPr>
+              <p:cNvSpPr/>
+              <p:nvPr/>
+            </p:nvSpPr>
+            <p:spPr>
+              <a:xfrm>
+                <a:off x="3426594" y="1714711"/>
+                <a:ext cx="1368626" cy="1378820"/>
+              </a:xfrm>
+              <a:prstGeom prst="ellipse">
+                <a:avLst/>
+              </a:prstGeom>
+              <a:ln w="57150"/>
+            </p:spPr>
+            <p:style>
+              <a:lnRef idx="2">
+                <a:schemeClr val="accent4"/>
+              </a:lnRef>
+              <a:fillRef idx="1">
+                <a:schemeClr val="lt1"/>
+              </a:fillRef>
+              <a:effectRef idx="0">
+                <a:schemeClr val="accent4"/>
+              </a:effectRef>
+              <a:fontRef idx="minor">
+                <a:schemeClr val="dk1"/>
+              </a:fontRef>
+            </p:style>
+            <p:txBody>
+              <a:bodyPr wrap="none" lIns="91440" tIns="45720" rIns="91440" bIns="45720" rtlCol="0" anchor="ctr">
+                <a:normAutofit/>
+              </a:bodyPr>
+              <a:lstStyle/>
+              <a:p>
+                <a:pPr algn="ctr"/>
+                <a:r>
+                  <a:rPr lang="en-US" sz="1600" dirty="0"/>
+                  <a:t>Delta</a:t>
+                </a:r>
+              </a:p>
+            </p:txBody>
+          </p:sp>
+        </p:grpSp>
+        <p:sp>
+          <p:nvSpPr>
+            <p:cNvPr id="90" name="TextBox 89">
               <a:extLst>
                 <a:ext uri="{FF2B5EF4-FFF2-40B4-BE49-F238E27FC236}">
-                  <a16:creationId xmlns:a16="http://schemas.microsoft.com/office/drawing/2014/main" id="{8B9D8231-0BE4-2FA7-C651-62BE43B7E815}"/>
+                  <a16:creationId xmlns:a16="http://schemas.microsoft.com/office/drawing/2014/main" id="{765B4C6C-55A4-C2B4-4EE7-628526EDB082}"/>
                 </a:ext>
               </a:extLst>
             </p:cNvPr>
-            <p:cNvCxnSpPr>
-              <a:cxnSpLocks/>
-              <a:stCxn id="15" idx="1"/>
-              <a:endCxn id="14" idx="6"/>
-            </p:cNvCxnSpPr>
-            <p:nvPr/>
-          </p:nvCxnSpPr>
-          <p:spPr>
-            <a:xfrm flipH="1" flipV="1">
-              <a:off x="6782903" y="1026660"/>
-              <a:ext cx="1019919" cy="889975"/>
-            </a:xfrm>
-            <a:prstGeom prst="straightConnector1">
-              <a:avLst/>
-            </a:prstGeom>
-            <a:ln w="28575">
-              <a:solidFill>
-                <a:schemeClr val="tx1"/>
-              </a:solidFill>
-            </a:ln>
-          </p:spPr>
-          <p:style>
-            <a:lnRef idx="2">
-              <a:schemeClr val="accent1"/>
-            </a:lnRef>
-            <a:fillRef idx="0">
-              <a:schemeClr val="accent1"/>
-            </a:fillRef>
-            <a:effectRef idx="1">
-              <a:schemeClr val="accent1"/>
-            </a:effectRef>
-            <a:fontRef idx="minor">
-              <a:schemeClr val="tx1"/>
-            </a:fontRef>
-          </p:style>
-        </p:cxnSp>
-        <p:cxnSp>
-          <p:nvCxnSpPr>
-            <p:cNvPr id="6" name="Straight Arrow Connector 5">
-              <a:extLst>
-                <a:ext uri="{FF2B5EF4-FFF2-40B4-BE49-F238E27FC236}">
-                  <a16:creationId xmlns:a16="http://schemas.microsoft.com/office/drawing/2014/main" id="{E76BD5F9-83C7-95D0-6664-37FD6A183C90}"/>
-                </a:ext>
-              </a:extLst>
-            </p:cNvPr>
-            <p:cNvCxnSpPr>
-              <a:cxnSpLocks/>
-              <a:stCxn id="15" idx="4"/>
-              <a:endCxn id="16" idx="7"/>
-            </p:cNvCxnSpPr>
-            <p:nvPr/>
-          </p:nvCxnSpPr>
-          <p:spPr>
-            <a:xfrm flipH="1">
-              <a:off x="7885842" y="3093531"/>
-              <a:ext cx="400862" cy="1157013"/>
-            </a:xfrm>
-            <a:prstGeom prst="straightConnector1">
-              <a:avLst/>
-            </a:prstGeom>
-            <a:ln w="28575">
-              <a:solidFill>
-                <a:schemeClr val="tx1"/>
-              </a:solidFill>
-            </a:ln>
-          </p:spPr>
-          <p:style>
-            <a:lnRef idx="2">
-              <a:schemeClr val="accent1"/>
-            </a:lnRef>
-            <a:fillRef idx="0">
-              <a:schemeClr val="accent1"/>
-            </a:fillRef>
-            <a:effectRef idx="1">
-              <a:schemeClr val="accent1"/>
-            </a:effectRef>
-            <a:fontRef idx="minor">
-              <a:schemeClr val="tx1"/>
-            </a:fontRef>
-          </p:style>
-        </p:cxnSp>
-        <p:cxnSp>
-          <p:nvCxnSpPr>
-            <p:cNvPr id="7" name="Straight Arrow Connector 6">
-              <a:extLst>
-                <a:ext uri="{FF2B5EF4-FFF2-40B4-BE49-F238E27FC236}">
-                  <a16:creationId xmlns:a16="http://schemas.microsoft.com/office/drawing/2014/main" id="{A377B8D8-7C18-7691-5D6F-584925A26B6A}"/>
-                </a:ext>
-              </a:extLst>
-            </p:cNvPr>
-            <p:cNvCxnSpPr>
-              <a:cxnSpLocks/>
-              <a:stCxn id="18" idx="4"/>
-              <a:endCxn id="17" idx="1"/>
-            </p:cNvCxnSpPr>
-            <p:nvPr/>
-          </p:nvCxnSpPr>
-          <p:spPr>
-            <a:xfrm>
-              <a:off x="4110907" y="3093531"/>
-              <a:ext cx="399930" cy="1157013"/>
-            </a:xfrm>
-            <a:prstGeom prst="straightConnector1">
-              <a:avLst/>
-            </a:prstGeom>
-            <a:ln w="28575">
-              <a:solidFill>
-                <a:schemeClr val="tx1"/>
-              </a:solidFill>
-            </a:ln>
-          </p:spPr>
-          <p:style>
-            <a:lnRef idx="2">
-              <a:schemeClr val="accent1"/>
-            </a:lnRef>
-            <a:fillRef idx="0">
-              <a:schemeClr val="accent1"/>
-            </a:fillRef>
-            <a:effectRef idx="1">
-              <a:schemeClr val="accent1"/>
-            </a:effectRef>
-            <a:fontRef idx="minor">
-              <a:schemeClr val="tx1"/>
-            </a:fontRef>
-          </p:style>
-        </p:cxnSp>
-        <p:cxnSp>
-          <p:nvCxnSpPr>
-            <p:cNvPr id="8" name="Straight Arrow Connector 7">
-              <a:extLst>
-                <a:ext uri="{FF2B5EF4-FFF2-40B4-BE49-F238E27FC236}">
-                  <a16:creationId xmlns:a16="http://schemas.microsoft.com/office/drawing/2014/main" id="{3D65C8CA-4855-4DDF-D864-7625BCC77A88}"/>
-                </a:ext>
-              </a:extLst>
-            </p:cNvPr>
-            <p:cNvCxnSpPr>
-              <a:cxnSpLocks/>
-              <a:stCxn id="17" idx="6"/>
-              <a:endCxn id="16" idx="2"/>
-            </p:cNvCxnSpPr>
-            <p:nvPr/>
-          </p:nvCxnSpPr>
-          <p:spPr>
-            <a:xfrm>
-              <a:off x="5679032" y="4738030"/>
-              <a:ext cx="1038615" cy="0"/>
-            </a:xfrm>
-            <a:prstGeom prst="straightConnector1">
-              <a:avLst/>
-            </a:prstGeom>
-            <a:ln w="28575">
-              <a:solidFill>
-                <a:schemeClr val="tx1"/>
-              </a:solidFill>
-            </a:ln>
-          </p:spPr>
-          <p:style>
-            <a:lnRef idx="2">
-              <a:schemeClr val="accent1"/>
-            </a:lnRef>
-            <a:fillRef idx="0">
-              <a:schemeClr val="accent1"/>
-            </a:fillRef>
-            <a:effectRef idx="1">
-              <a:schemeClr val="accent1"/>
-            </a:effectRef>
-            <a:fontRef idx="minor">
-              <a:schemeClr val="tx1"/>
-            </a:fontRef>
-          </p:style>
-        </p:cxnSp>
-        <p:cxnSp>
-          <p:nvCxnSpPr>
-            <p:cNvPr id="9" name="Straight Arrow Connector 8">
-              <a:extLst>
-                <a:ext uri="{FF2B5EF4-FFF2-40B4-BE49-F238E27FC236}">
-                  <a16:creationId xmlns:a16="http://schemas.microsoft.com/office/drawing/2014/main" id="{B58ECA94-1371-03ED-3123-C9119E404FDD}"/>
-                </a:ext>
-              </a:extLst>
-            </p:cNvPr>
-            <p:cNvCxnSpPr>
-              <a:cxnSpLocks/>
-              <a:stCxn id="17" idx="0"/>
-              <a:endCxn id="14" idx="3"/>
-            </p:cNvCxnSpPr>
-            <p:nvPr/>
-          </p:nvCxnSpPr>
-          <p:spPr>
-            <a:xfrm flipV="1">
-              <a:off x="4994719" y="1514146"/>
-              <a:ext cx="619989" cy="2534474"/>
-            </a:xfrm>
-            <a:prstGeom prst="straightConnector1">
-              <a:avLst/>
-            </a:prstGeom>
-            <a:ln w="28575">
-              <a:solidFill>
-                <a:schemeClr val="tx1"/>
-              </a:solidFill>
-            </a:ln>
-          </p:spPr>
-          <p:style>
-            <a:lnRef idx="2">
-              <a:schemeClr val="accent1"/>
-            </a:lnRef>
-            <a:fillRef idx="0">
-              <a:schemeClr val="accent1"/>
-            </a:fillRef>
-            <a:effectRef idx="1">
-              <a:schemeClr val="accent1"/>
-            </a:effectRef>
-            <a:fontRef idx="minor">
-              <a:schemeClr val="tx1"/>
-            </a:fontRef>
-          </p:style>
-        </p:cxnSp>
-        <p:cxnSp>
-          <p:nvCxnSpPr>
-            <p:cNvPr id="10" name="Straight Arrow Connector 9">
-              <a:extLst>
-                <a:ext uri="{FF2B5EF4-FFF2-40B4-BE49-F238E27FC236}">
-                  <a16:creationId xmlns:a16="http://schemas.microsoft.com/office/drawing/2014/main" id="{0309E072-84A0-C3EE-4462-20C7279F50AC}"/>
-                </a:ext>
-              </a:extLst>
-            </p:cNvPr>
-            <p:cNvCxnSpPr>
-              <a:cxnSpLocks/>
-              <a:stCxn id="16" idx="0"/>
-              <a:endCxn id="14" idx="5"/>
-            </p:cNvCxnSpPr>
-            <p:nvPr/>
-          </p:nvCxnSpPr>
-          <p:spPr>
-            <a:xfrm flipH="1" flipV="1">
-              <a:off x="6582473" y="1514146"/>
-              <a:ext cx="819487" cy="2534474"/>
-            </a:xfrm>
-            <a:prstGeom prst="straightConnector1">
-              <a:avLst/>
-            </a:prstGeom>
-            <a:ln w="28575">
-              <a:solidFill>
-                <a:schemeClr val="tx1"/>
-              </a:solidFill>
-            </a:ln>
-          </p:spPr>
-          <p:style>
-            <a:lnRef idx="2">
-              <a:schemeClr val="accent1"/>
-            </a:lnRef>
-            <a:fillRef idx="0">
-              <a:schemeClr val="accent1"/>
-            </a:fillRef>
-            <a:effectRef idx="1">
-              <a:schemeClr val="accent1"/>
-            </a:effectRef>
-            <a:fontRef idx="minor">
-              <a:schemeClr val="tx1"/>
-            </a:fontRef>
-          </p:style>
-        </p:cxnSp>
-        <p:cxnSp>
-          <p:nvCxnSpPr>
-            <p:cNvPr id="11" name="Straight Arrow Connector 10">
-              <a:extLst>
-                <a:ext uri="{FF2B5EF4-FFF2-40B4-BE49-F238E27FC236}">
-                  <a16:creationId xmlns:a16="http://schemas.microsoft.com/office/drawing/2014/main" id="{F88722CC-7163-9637-C7A3-23A1E2564174}"/>
-                </a:ext>
-              </a:extLst>
-            </p:cNvPr>
-            <p:cNvCxnSpPr>
-              <a:cxnSpLocks/>
-              <a:stCxn id="15" idx="2"/>
-              <a:endCxn id="18" idx="6"/>
-            </p:cNvCxnSpPr>
-            <p:nvPr/>
-          </p:nvCxnSpPr>
-          <p:spPr>
-            <a:xfrm flipH="1">
-              <a:off x="4795220" y="2404121"/>
-              <a:ext cx="2807171" cy="0"/>
-            </a:xfrm>
-            <a:prstGeom prst="straightConnector1">
-              <a:avLst/>
-            </a:prstGeom>
-            <a:ln w="28575">
-              <a:solidFill>
-                <a:schemeClr val="tx1"/>
-              </a:solidFill>
-            </a:ln>
-          </p:spPr>
-          <p:style>
-            <a:lnRef idx="2">
-              <a:schemeClr val="accent1"/>
-            </a:lnRef>
-            <a:fillRef idx="0">
-              <a:schemeClr val="accent1"/>
-            </a:fillRef>
-            <a:effectRef idx="1">
-              <a:schemeClr val="accent1"/>
-            </a:effectRef>
-            <a:fontRef idx="minor">
-              <a:schemeClr val="tx1"/>
-            </a:fontRef>
-          </p:style>
-        </p:cxnSp>
-        <p:cxnSp>
-          <p:nvCxnSpPr>
-            <p:cNvPr id="12" name="Straight Arrow Connector 11">
-              <a:extLst>
-                <a:ext uri="{FF2B5EF4-FFF2-40B4-BE49-F238E27FC236}">
-                  <a16:creationId xmlns:a16="http://schemas.microsoft.com/office/drawing/2014/main" id="{C03D9899-F2B6-44D4-519B-D1962368091E}"/>
-                </a:ext>
-              </a:extLst>
-            </p:cNvPr>
-            <p:cNvCxnSpPr>
-              <a:cxnSpLocks/>
-              <a:stCxn id="16" idx="1"/>
-              <a:endCxn id="18" idx="6"/>
-            </p:cNvCxnSpPr>
-            <p:nvPr/>
-          </p:nvCxnSpPr>
-          <p:spPr>
-            <a:xfrm flipH="1" flipV="1">
-              <a:off x="4795220" y="2404121"/>
-              <a:ext cx="2122858" cy="1846423"/>
-            </a:xfrm>
-            <a:prstGeom prst="straightConnector1">
-              <a:avLst/>
-            </a:prstGeom>
-            <a:ln w="28575">
-              <a:solidFill>
-                <a:schemeClr val="tx1"/>
-              </a:solidFill>
-            </a:ln>
-          </p:spPr>
-          <p:style>
-            <a:lnRef idx="2">
-              <a:schemeClr val="accent1"/>
-            </a:lnRef>
-            <a:fillRef idx="0">
-              <a:schemeClr val="accent1"/>
-            </a:fillRef>
-            <a:effectRef idx="1">
-              <a:schemeClr val="accent1"/>
-            </a:effectRef>
-            <a:fontRef idx="minor">
-              <a:schemeClr val="tx1"/>
-            </a:fontRef>
-          </p:style>
-        </p:cxnSp>
-        <p:cxnSp>
-          <p:nvCxnSpPr>
-            <p:cNvPr id="13" name="Straight Arrow Connector 12">
-              <a:extLst>
-                <a:ext uri="{FF2B5EF4-FFF2-40B4-BE49-F238E27FC236}">
-                  <a16:creationId xmlns:a16="http://schemas.microsoft.com/office/drawing/2014/main" id="{E36F4760-69A5-205B-DBA1-ABD072B5A2CE}"/>
-                </a:ext>
-              </a:extLst>
-            </p:cNvPr>
-            <p:cNvCxnSpPr>
-              <a:cxnSpLocks/>
-              <a:stCxn id="15" idx="2"/>
-              <a:endCxn id="17" idx="7"/>
-            </p:cNvCxnSpPr>
-            <p:nvPr/>
-          </p:nvCxnSpPr>
-          <p:spPr>
-            <a:xfrm flipH="1">
-              <a:off x="5478601" y="2404122"/>
-              <a:ext cx="2123789" cy="1846422"/>
-            </a:xfrm>
-            <a:prstGeom prst="straightConnector1">
-              <a:avLst/>
-            </a:prstGeom>
-            <a:ln w="28575">
-              <a:solidFill>
-                <a:schemeClr val="tx1"/>
-              </a:solidFill>
-            </a:ln>
-          </p:spPr>
-          <p:style>
-            <a:lnRef idx="2">
-              <a:schemeClr val="accent1"/>
-            </a:lnRef>
-            <a:fillRef idx="0">
-              <a:schemeClr val="accent1"/>
-            </a:fillRef>
-            <a:effectRef idx="1">
-              <a:schemeClr val="accent1"/>
-            </a:effectRef>
-            <a:fontRef idx="minor">
-              <a:schemeClr val="tx1"/>
-            </a:fontRef>
-          </p:style>
-        </p:cxnSp>
-        <p:sp>
-          <p:nvSpPr>
-            <p:cNvPr id="14" name="Oval 13">
-              <a:extLst>
-                <a:ext uri="{FF2B5EF4-FFF2-40B4-BE49-F238E27FC236}">
-                  <a16:creationId xmlns:a16="http://schemas.microsoft.com/office/drawing/2014/main" id="{4DCA8E08-BC48-AC39-D713-C2A7D15A1B2F}"/>
-                </a:ext>
-              </a:extLst>
-            </p:cNvPr>
-            <p:cNvSpPr/>
+            <p:cNvSpPr txBox="1"/>
             <p:nvPr/>
           </p:nvSpPr>
           <p:spPr>
             <a:xfrm>
-              <a:off x="5414277" y="337250"/>
-              <a:ext cx="1368626" cy="1378820"/>
+              <a:off x="4861484" y="1026448"/>
+              <a:ext cx="357716" cy="276999"/>
             </a:xfrm>
-            <a:prstGeom prst="ellipse">
+            <a:prstGeom prst="rect">
               <a:avLst/>
             </a:prstGeom>
-            <a:ln w="57150"/>
+            <a:noFill/>
           </p:spPr>
-          <p:style>
-            <a:lnRef idx="2">
-              <a:schemeClr val="accent1"/>
-            </a:lnRef>
-            <a:fillRef idx="1">
-              <a:schemeClr val="lt1"/>
-            </a:fillRef>
-            <a:effectRef idx="0">
-              <a:schemeClr val="accent1"/>
-            </a:effectRef>
-            <a:fontRef idx="minor">
-              <a:schemeClr val="dk1"/>
-            </a:fontRef>
-          </p:style>
           <p:txBody>
-            <a:bodyPr wrap="none" rtlCol="0" anchor="ctr">
+            <a:bodyPr wrap="none" rtlCol="0">
               <a:normAutofit/>
             </a:bodyPr>
             <a:lstStyle/>
             <a:p>
-              <a:pPr algn="ctr"/>
               <a:r>
-                <a:rPr lang="en-US" sz="1600" dirty="0"/>
-                <a:t>Alpha </a:t>
+                <a:rPr lang="en-GB" sz="1200" dirty="0"/>
+                <a:t>10</a:t>
               </a:r>
             </a:p>
           </p:txBody>
         </p:sp>
         <p:sp>
           <p:nvSpPr>
-            <p:cNvPr id="15" name="Oval 14">
+            <p:cNvPr id="91" name="TextBox 90">
               <a:extLst>
                 <a:ext uri="{FF2B5EF4-FFF2-40B4-BE49-F238E27FC236}">
-                  <a16:creationId xmlns:a16="http://schemas.microsoft.com/office/drawing/2014/main" id="{507B5421-CA0B-8419-2F14-90FA7367070C}"/>
+                  <a16:creationId xmlns:a16="http://schemas.microsoft.com/office/drawing/2014/main" id="{29E3FAB3-6FF4-A16A-FAB1-B0622E560EEA}"/>
                 </a:ext>
               </a:extLst>
             </p:cNvPr>
-            <p:cNvSpPr/>
+            <p:cNvSpPr txBox="1"/>
             <p:nvPr/>
           </p:nvSpPr>
           <p:spPr>
             <a:xfrm>
-              <a:off x="7602391" y="1714711"/>
-              <a:ext cx="1368626" cy="1378820"/>
+              <a:off x="5588170" y="2869793"/>
+              <a:ext cx="357716" cy="276999"/>
             </a:xfrm>
-            <a:prstGeom prst="ellipse">
+            <a:prstGeom prst="rect">
               <a:avLst/>
             </a:prstGeom>
-            <a:ln w="57150"/>
+            <a:noFill/>
           </p:spPr>
-          <p:style>
-            <a:lnRef idx="2">
-              <a:schemeClr val="accent2"/>
-            </a:lnRef>
-            <a:fillRef idx="1">
-              <a:schemeClr val="lt1"/>
-            </a:fillRef>
-            <a:effectRef idx="0">
-              <a:schemeClr val="accent2"/>
-            </a:effectRef>
-            <a:fontRef idx="minor">
-              <a:schemeClr val="dk1"/>
-            </a:fontRef>
-          </p:style>
           <p:txBody>
-            <a:bodyPr wrap="none" lIns="91440" tIns="45720" rIns="91440" bIns="45720" rtlCol="0" anchor="ctr">
+            <a:bodyPr wrap="none" rtlCol="0">
               <a:normAutofit/>
             </a:bodyPr>
             <a:lstStyle/>
             <a:p>
-              <a:pPr algn="ctr"/>
               <a:r>
-                <a:rPr lang="en-US" sz="1600" dirty="0"/>
-                <a:t>Beta</a:t>
+                <a:rPr lang="en-GB" sz="1200" dirty="0"/>
+                <a:t>12</a:t>
               </a:r>
             </a:p>
           </p:txBody>
         </p:sp>
         <p:sp>
           <p:nvSpPr>
-            <p:cNvPr id="16" name="Oval 15">
+            <p:cNvPr id="92" name="TextBox 91">
               <a:extLst>
                 <a:ext uri="{FF2B5EF4-FFF2-40B4-BE49-F238E27FC236}">
-                  <a16:creationId xmlns:a16="http://schemas.microsoft.com/office/drawing/2014/main" id="{67AA94A3-76C8-E580-766D-9AD27D392F2B}"/>
+                  <a16:creationId xmlns:a16="http://schemas.microsoft.com/office/drawing/2014/main" id="{B8821942-5E8A-704D-D7EC-49BFD46B1145}"/>
                 </a:ext>
               </a:extLst>
             </p:cNvPr>
-            <p:cNvSpPr/>
+            <p:cNvSpPr txBox="1"/>
             <p:nvPr/>
           </p:nvSpPr>
           <p:spPr>
             <a:xfrm>
-              <a:off x="6717647" y="4048620"/>
-              <a:ext cx="1368626" cy="1378820"/>
+              <a:off x="2217618" y="2869793"/>
+              <a:ext cx="357716" cy="276999"/>
             </a:xfrm>
-            <a:prstGeom prst="ellipse">
+            <a:prstGeom prst="rect">
               <a:avLst/>
             </a:prstGeom>
-            <a:ln w="57150"/>
+            <a:noFill/>
           </p:spPr>
-          <p:style>
-            <a:lnRef idx="2">
-              <a:schemeClr val="accent3"/>
-            </a:lnRef>
-            <a:fillRef idx="1">
-              <a:schemeClr val="lt1"/>
-            </a:fillRef>
-            <a:effectRef idx="0">
-              <a:schemeClr val="accent3"/>
-            </a:effectRef>
-            <a:fontRef idx="minor">
-              <a:schemeClr val="dk1"/>
-            </a:fontRef>
-          </p:style>
           <p:txBody>
-            <a:bodyPr wrap="none" lIns="91440" tIns="45720" rIns="91440" bIns="45720" rtlCol="0" anchor="ctr">
+            <a:bodyPr wrap="none" rtlCol="0">
               <a:normAutofit/>
             </a:bodyPr>
             <a:lstStyle/>
             <a:p>
-              <a:pPr algn="ctr"/>
               <a:r>
-                <a:rPr lang="en-US" sz="1600" dirty="0"/>
-                <a:t>Gamma</a:t>
+                <a:rPr lang="en-GB" sz="1200" dirty="0"/>
+                <a:t>17</a:t>
               </a:r>
             </a:p>
           </p:txBody>
         </p:sp>
         <p:sp>
           <p:nvSpPr>
-            <p:cNvPr id="17" name="Oval 16">
+            <p:cNvPr id="93" name="TextBox 92">
               <a:extLst>
                 <a:ext uri="{FF2B5EF4-FFF2-40B4-BE49-F238E27FC236}">
-                  <a16:creationId xmlns:a16="http://schemas.microsoft.com/office/drawing/2014/main" id="{B260A915-7D38-AA0D-4F4B-59DB3BA5ADA6}"/>
+                  <a16:creationId xmlns:a16="http://schemas.microsoft.com/office/drawing/2014/main" id="{FCE12FC7-78D5-8E4F-3876-C0CD47F9055C}"/>
                 </a:ext>
               </a:extLst>
             </p:cNvPr>
-            <p:cNvSpPr/>
+            <p:cNvSpPr txBox="1"/>
             <p:nvPr/>
           </p:nvSpPr>
           <p:spPr>
             <a:xfrm>
-              <a:off x="4310406" y="4048620"/>
-              <a:ext cx="1368626" cy="1378820"/>
+              <a:off x="2773754" y="988638"/>
+              <a:ext cx="357716" cy="276999"/>
             </a:xfrm>
-            <a:prstGeom prst="ellipse">
+            <a:prstGeom prst="rect">
               <a:avLst/>
             </a:prstGeom>
-            <a:ln w="57150"/>
+            <a:noFill/>
           </p:spPr>
-          <p:style>
-            <a:lnRef idx="2">
-              <a:schemeClr val="accent5"/>
-            </a:lnRef>
-            <a:fillRef idx="1">
-              <a:schemeClr val="lt1"/>
-            </a:fillRef>
-            <a:effectRef idx="0">
-              <a:schemeClr val="accent5"/>
-            </a:effectRef>
-            <a:fontRef idx="minor">
-              <a:schemeClr val="dk1"/>
-            </a:fontRef>
-          </p:style>
           <p:txBody>
-            <a:bodyPr wrap="none" lIns="91440" tIns="45720" rIns="91440" bIns="45720" rtlCol="0" anchor="ctr">
+            <a:bodyPr wrap="none" rtlCol="0">
               <a:normAutofit/>
             </a:bodyPr>
             <a:lstStyle/>
             <a:p>
-              <a:pPr algn="ctr"/>
               <a:r>
-                <a:rPr lang="en-US" sz="1600" dirty="0"/>
-                <a:t>Epsilon</a:t>
+                <a:rPr lang="en-GB" sz="1200" dirty="0"/>
+                <a:t>12</a:t>
               </a:r>
             </a:p>
           </p:txBody>
         </p:sp>
         <p:sp>
           <p:nvSpPr>
-            <p:cNvPr id="18" name="Oval 17">
+            <p:cNvPr id="94" name="TextBox 93">
               <a:extLst>
                 <a:ext uri="{FF2B5EF4-FFF2-40B4-BE49-F238E27FC236}">
-                  <a16:creationId xmlns:a16="http://schemas.microsoft.com/office/drawing/2014/main" id="{1AF7B724-FA1A-4041-91D9-850893772CD9}"/>
+                  <a16:creationId xmlns:a16="http://schemas.microsoft.com/office/drawing/2014/main" id="{752DB9A5-D3DC-8DBC-89B1-60E8173C1D8E}"/>
                 </a:ext>
               </a:extLst>
             </p:cNvPr>
-            <p:cNvSpPr/>
+            <p:cNvSpPr txBox="1"/>
             <p:nvPr/>
           </p:nvSpPr>
           <p:spPr>
             <a:xfrm>
-              <a:off x="3426594" y="1714711"/>
-              <a:ext cx="1368626" cy="1378820"/>
+              <a:off x="3895974" y="3864738"/>
+              <a:ext cx="357716" cy="276999"/>
             </a:xfrm>
-            <a:prstGeom prst="ellipse">
+            <a:prstGeom prst="rect">
               <a:avLst/>
             </a:prstGeom>
-            <a:ln w="57150"/>
+            <a:noFill/>
           </p:spPr>
-          <p:style>
-            <a:lnRef idx="2">
-              <a:schemeClr val="accent4"/>
-            </a:lnRef>
-            <a:fillRef idx="1">
-              <a:schemeClr val="lt1"/>
-            </a:fillRef>
-            <a:effectRef idx="0">
-              <a:schemeClr val="accent4"/>
-            </a:effectRef>
-            <a:fontRef idx="minor">
-              <a:schemeClr val="dk1"/>
-            </a:fontRef>
-          </p:style>
           <p:txBody>
-            <a:bodyPr wrap="none" lIns="91440" tIns="45720" rIns="91440" bIns="45720" rtlCol="0" anchor="ctr">
+            <a:bodyPr wrap="none" rtlCol="0">
               <a:normAutofit/>
             </a:bodyPr>
             <a:lstStyle/>
             <a:p>
-              <a:pPr algn="ctr"/>
               <a:r>
-                <a:rPr lang="en-US" sz="1600" dirty="0"/>
-                <a:t>Delta</a:t>
+                <a:rPr lang="en-GB" sz="1200" dirty="0"/>
+                <a:t>28</a:t>
+              </a:r>
+            </a:p>
+          </p:txBody>
+        </p:sp>
+        <p:sp>
+          <p:nvSpPr>
+            <p:cNvPr id="107" name="TextBox 106">
+              <a:extLst>
+                <a:ext uri="{FF2B5EF4-FFF2-40B4-BE49-F238E27FC236}">
+                  <a16:creationId xmlns:a16="http://schemas.microsoft.com/office/drawing/2014/main" id="{5445B502-A084-FED3-FD48-D4014F31CDB0}"/>
+                </a:ext>
+              </a:extLst>
+            </p:cNvPr>
+            <p:cNvSpPr txBox="1"/>
+            <p:nvPr/>
+          </p:nvSpPr>
+          <p:spPr>
+            <a:xfrm>
+              <a:off x="3895974" y="1733128"/>
+              <a:ext cx="357716" cy="276999"/>
+            </a:xfrm>
+            <a:prstGeom prst="rect">
+              <a:avLst/>
+            </a:prstGeom>
+            <a:noFill/>
+          </p:spPr>
+          <p:txBody>
+            <a:bodyPr wrap="none" rtlCol="0">
+              <a:normAutofit/>
+            </a:bodyPr>
+            <a:lstStyle/>
+            <a:p>
+              <a:r>
+                <a:rPr lang="en-GB" sz="1200" dirty="0"/>
+                <a:t>25</a:t>
+              </a:r>
+            </a:p>
+          </p:txBody>
+        </p:sp>
+        <p:sp>
+          <p:nvSpPr>
+            <p:cNvPr id="108" name="TextBox 107">
+              <a:extLst>
+                <a:ext uri="{FF2B5EF4-FFF2-40B4-BE49-F238E27FC236}">
+                  <a16:creationId xmlns:a16="http://schemas.microsoft.com/office/drawing/2014/main" id="{3181A0DC-BA7C-0C9F-87E6-CD1A010E015C}"/>
+                </a:ext>
+              </a:extLst>
+            </p:cNvPr>
+            <p:cNvSpPr txBox="1"/>
+            <p:nvPr/>
+          </p:nvSpPr>
+          <p:spPr>
+            <a:xfrm>
+              <a:off x="3478946" y="2285741"/>
+              <a:ext cx="357716" cy="276999"/>
+            </a:xfrm>
+            <a:prstGeom prst="rect">
+              <a:avLst/>
+            </a:prstGeom>
+            <a:noFill/>
+          </p:spPr>
+          <p:txBody>
+            <a:bodyPr wrap="none" rtlCol="0">
+              <a:normAutofit/>
+            </a:bodyPr>
+            <a:lstStyle/>
+            <a:p>
+              <a:r>
+                <a:rPr lang="en-GB" sz="1200" dirty="0"/>
+                <a:t>16</a:t>
+              </a:r>
+            </a:p>
+          </p:txBody>
+        </p:sp>
+        <p:sp>
+          <p:nvSpPr>
+            <p:cNvPr id="109" name="TextBox 108">
+              <a:extLst>
+                <a:ext uri="{FF2B5EF4-FFF2-40B4-BE49-F238E27FC236}">
+                  <a16:creationId xmlns:a16="http://schemas.microsoft.com/office/drawing/2014/main" id="{10C4A85B-C42B-E018-D56D-FDA23374A026}"/>
+                </a:ext>
+              </a:extLst>
+            </p:cNvPr>
+            <p:cNvSpPr txBox="1"/>
+            <p:nvPr/>
+          </p:nvSpPr>
+          <p:spPr>
+            <a:xfrm>
+              <a:off x="4276555" y="2285740"/>
+              <a:ext cx="357716" cy="276999"/>
+            </a:xfrm>
+            <a:prstGeom prst="rect">
+              <a:avLst/>
+            </a:prstGeom>
+            <a:noFill/>
+          </p:spPr>
+          <p:txBody>
+            <a:bodyPr wrap="none" rtlCol="0">
+              <a:normAutofit/>
+            </a:bodyPr>
+            <a:lstStyle/>
+            <a:p>
+              <a:r>
+                <a:rPr lang="en-GB" sz="1200" dirty="0"/>
+                <a:t>14</a:t>
+              </a:r>
+            </a:p>
+          </p:txBody>
+        </p:sp>
+        <p:sp>
+          <p:nvSpPr>
+            <p:cNvPr id="111" name="TextBox 110">
+              <a:extLst>
+                <a:ext uri="{FF2B5EF4-FFF2-40B4-BE49-F238E27FC236}">
+                  <a16:creationId xmlns:a16="http://schemas.microsoft.com/office/drawing/2014/main" id="{736ECB09-49B4-9046-DDB3-AB512716B6CA}"/>
+                </a:ext>
+              </a:extLst>
+            </p:cNvPr>
+            <p:cNvSpPr txBox="1"/>
+            <p:nvPr/>
+          </p:nvSpPr>
+          <p:spPr>
+            <a:xfrm>
+              <a:off x="4848334" y="2602714"/>
+              <a:ext cx="357716" cy="276999"/>
+            </a:xfrm>
+            <a:prstGeom prst="rect">
+              <a:avLst/>
+            </a:prstGeom>
+            <a:noFill/>
+          </p:spPr>
+          <p:txBody>
+            <a:bodyPr wrap="none" rtlCol="0">
+              <a:normAutofit/>
+            </a:bodyPr>
+            <a:lstStyle/>
+            <a:p>
+              <a:r>
+                <a:rPr lang="en-GB" sz="1200" dirty="0"/>
+                <a:t>15</a:t>
+              </a:r>
+            </a:p>
+          </p:txBody>
+        </p:sp>
+        <p:sp>
+          <p:nvSpPr>
+            <p:cNvPr id="113" name="TextBox 112">
+              <a:extLst>
+                <a:ext uri="{FF2B5EF4-FFF2-40B4-BE49-F238E27FC236}">
+                  <a16:creationId xmlns:a16="http://schemas.microsoft.com/office/drawing/2014/main" id="{802D48C5-352A-7400-9383-D5F0A8CE62C8}"/>
+                </a:ext>
+              </a:extLst>
+            </p:cNvPr>
+            <p:cNvSpPr txBox="1"/>
+            <p:nvPr/>
+          </p:nvSpPr>
+          <p:spPr>
+            <a:xfrm>
+              <a:off x="2889142" y="2592794"/>
+              <a:ext cx="357716" cy="276999"/>
+            </a:xfrm>
+            <a:prstGeom prst="rect">
+              <a:avLst/>
+            </a:prstGeom>
+            <a:noFill/>
+          </p:spPr>
+          <p:txBody>
+            <a:bodyPr wrap="none" rtlCol="0">
+              <a:normAutofit/>
+            </a:bodyPr>
+            <a:lstStyle/>
+            <a:p>
+              <a:r>
+                <a:rPr lang="en-GB" sz="1200" dirty="0"/>
+                <a:t>20</a:t>
               </a:r>
             </a:p>
           </p:txBody>
         </p:sp>
       </p:grpSp>
-      <p:sp>
-        <p:nvSpPr>
-          <p:cNvPr id="90" name="TextBox 89">
-            <a:extLst>
-              <a:ext uri="{FF2B5EF4-FFF2-40B4-BE49-F238E27FC236}">
-                <a16:creationId xmlns:a16="http://schemas.microsoft.com/office/drawing/2014/main" id="{765B4C6C-55A4-C2B4-4EE7-628526EDB082}"/>
-              </a:ext>
-            </a:extLst>
-          </p:cNvPr>
-          <p:cNvSpPr txBox="1"/>
-          <p:nvPr/>
-        </p:nvSpPr>
-        <p:spPr>
-          <a:xfrm>
-            <a:off x="4861484" y="1026448"/>
-            <a:ext cx="357716" cy="276999"/>
-          </a:xfrm>
-          <a:prstGeom prst="rect">
-            <a:avLst/>
-          </a:prstGeom>
-          <a:noFill/>
-        </p:spPr>
-        <p:txBody>
-          <a:bodyPr wrap="square" rtlCol="0">
-            <a:spAutoFit/>
-          </a:bodyPr>
-          <a:lstStyle/>
-          <a:p>
-            <a:r>
-              <a:rPr lang="en-GB" sz="1200" dirty="0"/>
-              <a:t>10</a:t>
-            </a:r>
-          </a:p>
-        </p:txBody>
-      </p:sp>
-      <p:sp>
-        <p:nvSpPr>
-          <p:cNvPr id="91" name="TextBox 90">
-            <a:extLst>
-              <a:ext uri="{FF2B5EF4-FFF2-40B4-BE49-F238E27FC236}">
-                <a16:creationId xmlns:a16="http://schemas.microsoft.com/office/drawing/2014/main" id="{29E3FAB3-6FF4-A16A-FAB1-B0622E560EEA}"/>
-              </a:ext>
-            </a:extLst>
-          </p:cNvPr>
-          <p:cNvSpPr txBox="1"/>
-          <p:nvPr/>
-        </p:nvSpPr>
-        <p:spPr>
-          <a:xfrm>
-            <a:off x="5569944" y="2869794"/>
-            <a:ext cx="357716" cy="276999"/>
-          </a:xfrm>
-          <a:prstGeom prst="rect">
-            <a:avLst/>
-          </a:prstGeom>
-          <a:noFill/>
-        </p:spPr>
-        <p:txBody>
-          <a:bodyPr wrap="square" rtlCol="0">
-            <a:spAutoFit/>
-          </a:bodyPr>
-          <a:lstStyle/>
-          <a:p>
-            <a:r>
-              <a:rPr lang="en-GB" sz="1200" dirty="0"/>
-              <a:t>12</a:t>
-            </a:r>
-          </a:p>
-        </p:txBody>
-      </p:sp>
-      <p:sp>
-        <p:nvSpPr>
-          <p:cNvPr id="92" name="TextBox 91">
-            <a:extLst>
-              <a:ext uri="{FF2B5EF4-FFF2-40B4-BE49-F238E27FC236}">
-                <a16:creationId xmlns:a16="http://schemas.microsoft.com/office/drawing/2014/main" id="{B8821942-5E8A-704D-D7EC-49BFD46B1145}"/>
-              </a:ext>
-            </a:extLst>
-          </p:cNvPr>
-          <p:cNvSpPr txBox="1"/>
-          <p:nvPr/>
-        </p:nvSpPr>
-        <p:spPr>
-          <a:xfrm>
-            <a:off x="2217618" y="2869793"/>
-            <a:ext cx="357716" cy="276999"/>
-          </a:xfrm>
-          <a:prstGeom prst="rect">
-            <a:avLst/>
-          </a:prstGeom>
-          <a:noFill/>
-        </p:spPr>
-        <p:txBody>
-          <a:bodyPr wrap="square" rtlCol="0">
-            <a:spAutoFit/>
-          </a:bodyPr>
-          <a:lstStyle/>
-          <a:p>
-            <a:r>
-              <a:rPr lang="en-GB" sz="1200" dirty="0"/>
-              <a:t>17</a:t>
-            </a:r>
-          </a:p>
-        </p:txBody>
-      </p:sp>
-      <p:sp>
-        <p:nvSpPr>
-          <p:cNvPr id="93" name="TextBox 92">
-            <a:extLst>
-              <a:ext uri="{FF2B5EF4-FFF2-40B4-BE49-F238E27FC236}">
-                <a16:creationId xmlns:a16="http://schemas.microsoft.com/office/drawing/2014/main" id="{FCE12FC7-78D5-8E4F-3876-C0CD47F9055C}"/>
-              </a:ext>
-            </a:extLst>
-          </p:cNvPr>
-          <p:cNvSpPr txBox="1"/>
-          <p:nvPr/>
-        </p:nvSpPr>
-        <p:spPr>
-          <a:xfrm>
-            <a:off x="2815038" y="1030388"/>
-            <a:ext cx="357716" cy="276999"/>
-          </a:xfrm>
-          <a:prstGeom prst="rect">
-            <a:avLst/>
-          </a:prstGeom>
-          <a:noFill/>
-        </p:spPr>
-        <p:txBody>
-          <a:bodyPr wrap="square" rtlCol="0">
-            <a:spAutoFit/>
-          </a:bodyPr>
-          <a:lstStyle/>
-          <a:p>
-            <a:r>
-              <a:rPr lang="en-GB" sz="1200" dirty="0"/>
-              <a:t>12</a:t>
-            </a:r>
-          </a:p>
-        </p:txBody>
-      </p:sp>
-      <p:sp>
-        <p:nvSpPr>
-          <p:cNvPr id="94" name="TextBox 93">
-            <a:extLst>
-              <a:ext uri="{FF2B5EF4-FFF2-40B4-BE49-F238E27FC236}">
-                <a16:creationId xmlns:a16="http://schemas.microsoft.com/office/drawing/2014/main" id="{752DB9A5-D3DC-8DBC-89B1-60E8173C1D8E}"/>
-              </a:ext>
-            </a:extLst>
-          </p:cNvPr>
-          <p:cNvSpPr txBox="1"/>
-          <p:nvPr/>
-        </p:nvSpPr>
-        <p:spPr>
-          <a:xfrm>
-            <a:off x="3896667" y="3856083"/>
-            <a:ext cx="357716" cy="276999"/>
-          </a:xfrm>
-          <a:prstGeom prst="rect">
-            <a:avLst/>
-          </a:prstGeom>
-          <a:noFill/>
-        </p:spPr>
-        <p:txBody>
-          <a:bodyPr wrap="square" rtlCol="0">
-            <a:spAutoFit/>
-          </a:bodyPr>
-          <a:lstStyle/>
-          <a:p>
-            <a:r>
-              <a:rPr lang="en-GB" sz="1200" dirty="0"/>
-              <a:t>28</a:t>
-            </a:r>
-          </a:p>
-        </p:txBody>
-      </p:sp>
-      <p:sp>
-        <p:nvSpPr>
-          <p:cNvPr id="107" name="TextBox 106">
-            <a:extLst>
-              <a:ext uri="{FF2B5EF4-FFF2-40B4-BE49-F238E27FC236}">
-                <a16:creationId xmlns:a16="http://schemas.microsoft.com/office/drawing/2014/main" id="{5445B502-A084-FED3-FD48-D4014F31CDB0}"/>
-              </a:ext>
-            </a:extLst>
-          </p:cNvPr>
-          <p:cNvSpPr txBox="1"/>
-          <p:nvPr/>
-        </p:nvSpPr>
-        <p:spPr>
-          <a:xfrm>
-            <a:off x="3821565" y="1725546"/>
-            <a:ext cx="357716" cy="276999"/>
-          </a:xfrm>
-          <a:prstGeom prst="rect">
-            <a:avLst/>
-          </a:prstGeom>
-          <a:noFill/>
-        </p:spPr>
-        <p:txBody>
-          <a:bodyPr wrap="square" rtlCol="0">
-            <a:spAutoFit/>
-          </a:bodyPr>
-          <a:lstStyle/>
-          <a:p>
-            <a:r>
-              <a:rPr lang="en-GB" sz="1200" dirty="0"/>
-              <a:t>25</a:t>
-            </a:r>
-          </a:p>
-        </p:txBody>
-      </p:sp>
-      <p:sp>
-        <p:nvSpPr>
-          <p:cNvPr id="108" name="TextBox 107">
-            <a:extLst>
-              <a:ext uri="{FF2B5EF4-FFF2-40B4-BE49-F238E27FC236}">
-                <a16:creationId xmlns:a16="http://schemas.microsoft.com/office/drawing/2014/main" id="{3181A0DC-BA7C-0C9F-87E6-CD1A010E015C}"/>
-              </a:ext>
-            </a:extLst>
-          </p:cNvPr>
-          <p:cNvSpPr txBox="1"/>
-          <p:nvPr/>
-        </p:nvSpPr>
-        <p:spPr>
-          <a:xfrm>
-            <a:off x="3478946" y="2285741"/>
-            <a:ext cx="357716" cy="276999"/>
-          </a:xfrm>
-          <a:prstGeom prst="rect">
-            <a:avLst/>
-          </a:prstGeom>
-          <a:noFill/>
-        </p:spPr>
-        <p:txBody>
-          <a:bodyPr wrap="square" rtlCol="0">
-            <a:spAutoFit/>
-          </a:bodyPr>
-          <a:lstStyle/>
-          <a:p>
-            <a:r>
-              <a:rPr lang="en-GB" sz="1200" dirty="0"/>
-              <a:t>16</a:t>
-            </a:r>
-          </a:p>
-        </p:txBody>
-      </p:sp>
-      <p:sp>
-        <p:nvSpPr>
-          <p:cNvPr id="109" name="TextBox 108">
-            <a:extLst>
-              <a:ext uri="{FF2B5EF4-FFF2-40B4-BE49-F238E27FC236}">
-                <a16:creationId xmlns:a16="http://schemas.microsoft.com/office/drawing/2014/main" id="{10C4A85B-C42B-E018-D56D-FDA23374A026}"/>
-              </a:ext>
-            </a:extLst>
-          </p:cNvPr>
-          <p:cNvSpPr txBox="1"/>
-          <p:nvPr/>
-        </p:nvSpPr>
-        <p:spPr>
-          <a:xfrm>
-            <a:off x="4312942" y="2285642"/>
-            <a:ext cx="357716" cy="276999"/>
-          </a:xfrm>
-          <a:prstGeom prst="rect">
-            <a:avLst/>
-          </a:prstGeom>
-          <a:noFill/>
-        </p:spPr>
-        <p:txBody>
-          <a:bodyPr wrap="square" rtlCol="0">
-            <a:spAutoFit/>
-          </a:bodyPr>
-          <a:lstStyle/>
-          <a:p>
-            <a:r>
-              <a:rPr lang="en-GB" sz="1200" dirty="0"/>
-              <a:t>14</a:t>
-            </a:r>
-          </a:p>
-        </p:txBody>
-      </p:sp>
-      <p:sp>
-        <p:nvSpPr>
-          <p:cNvPr id="111" name="TextBox 110">
-            <a:extLst>
-              <a:ext uri="{FF2B5EF4-FFF2-40B4-BE49-F238E27FC236}">
-                <a16:creationId xmlns:a16="http://schemas.microsoft.com/office/drawing/2014/main" id="{736ECB09-49B4-9046-DDB3-AB512716B6CA}"/>
-              </a:ext>
-            </a:extLst>
-          </p:cNvPr>
-          <p:cNvSpPr txBox="1"/>
-          <p:nvPr/>
-        </p:nvSpPr>
-        <p:spPr>
-          <a:xfrm>
-            <a:off x="4812381" y="2592794"/>
-            <a:ext cx="357716" cy="276999"/>
-          </a:xfrm>
-          <a:prstGeom prst="rect">
-            <a:avLst/>
-          </a:prstGeom>
-          <a:noFill/>
-        </p:spPr>
-        <p:txBody>
-          <a:bodyPr wrap="square" rtlCol="0">
-            <a:spAutoFit/>
-          </a:bodyPr>
-          <a:lstStyle/>
-          <a:p>
-            <a:r>
-              <a:rPr lang="en-GB" sz="1200" dirty="0"/>
-              <a:t>15</a:t>
-            </a:r>
-          </a:p>
-        </p:txBody>
-      </p:sp>
-      <p:sp>
-        <p:nvSpPr>
-          <p:cNvPr id="113" name="TextBox 112">
-            <a:extLst>
-              <a:ext uri="{FF2B5EF4-FFF2-40B4-BE49-F238E27FC236}">
-                <a16:creationId xmlns:a16="http://schemas.microsoft.com/office/drawing/2014/main" id="{802D48C5-352A-7400-9383-D5F0A8CE62C8}"/>
-              </a:ext>
-            </a:extLst>
-          </p:cNvPr>
-          <p:cNvSpPr txBox="1"/>
-          <p:nvPr/>
-        </p:nvSpPr>
-        <p:spPr>
-          <a:xfrm>
-            <a:off x="2927430" y="2592794"/>
-            <a:ext cx="357716" cy="276999"/>
-          </a:xfrm>
-          <a:prstGeom prst="rect">
-            <a:avLst/>
-          </a:prstGeom>
-          <a:noFill/>
-        </p:spPr>
-        <p:txBody>
-          <a:bodyPr wrap="square" rtlCol="0">
-            <a:spAutoFit/>
-          </a:bodyPr>
-          <a:lstStyle/>
-          <a:p>
-            <a:r>
-              <a:rPr lang="en-GB" sz="1200" dirty="0"/>
-              <a:t>20</a:t>
-            </a:r>
-          </a:p>
-        </p:txBody>
-      </p:sp>
     </p:spTree>
     <p:extLst>
       <p:ext uri="{BB962C8B-B14F-4D97-AF65-F5344CB8AC3E}">
